--- a/Chapter_3/New Microsoft Office PowerPoint Presentation.pptx
+++ b/Chapter_3/New Microsoft Office PowerPoint Presentation.pptx
@@ -296,7 +296,7 @@
             <a:fld id="{1D8BD707-D9CF-40AE-B4C6-C98DA3205C09}" type="datetimeFigureOut">
               <a:rPr lang="en-US" smtClean="0"/>
               <a:pPr/>
-              <a:t>5/20/2022</a:t>
+              <a:t>5/30/2022</a:t>
             </a:fld>
             <a:endParaRPr lang="en-US"/>
           </a:p>
@@ -463,7 +463,7 @@
             <a:fld id="{1D8BD707-D9CF-40AE-B4C6-C98DA3205C09}" type="datetimeFigureOut">
               <a:rPr lang="en-US" smtClean="0"/>
               <a:pPr/>
-              <a:t>5/20/2022</a:t>
+              <a:t>5/30/2022</a:t>
             </a:fld>
             <a:endParaRPr lang="en-US"/>
           </a:p>
@@ -640,7 +640,7 @@
             <a:fld id="{1D8BD707-D9CF-40AE-B4C6-C98DA3205C09}" type="datetimeFigureOut">
               <a:rPr lang="en-US" smtClean="0"/>
               <a:pPr/>
-              <a:t>5/20/2022</a:t>
+              <a:t>5/30/2022</a:t>
             </a:fld>
             <a:endParaRPr lang="en-US"/>
           </a:p>
@@ -807,7 +807,7 @@
             <a:fld id="{1D8BD707-D9CF-40AE-B4C6-C98DA3205C09}" type="datetimeFigureOut">
               <a:rPr lang="en-US" smtClean="0"/>
               <a:pPr/>
-              <a:t>5/20/2022</a:t>
+              <a:t>5/30/2022</a:t>
             </a:fld>
             <a:endParaRPr lang="en-US"/>
           </a:p>
@@ -1050,7 +1050,7 @@
             <a:fld id="{1D8BD707-D9CF-40AE-B4C6-C98DA3205C09}" type="datetimeFigureOut">
               <a:rPr lang="en-US" smtClean="0"/>
               <a:pPr/>
-              <a:t>5/20/2022</a:t>
+              <a:t>5/30/2022</a:t>
             </a:fld>
             <a:endParaRPr lang="en-US"/>
           </a:p>
@@ -1335,7 +1335,7 @@
             <a:fld id="{1D8BD707-D9CF-40AE-B4C6-C98DA3205C09}" type="datetimeFigureOut">
               <a:rPr lang="en-US" smtClean="0"/>
               <a:pPr/>
-              <a:t>5/20/2022</a:t>
+              <a:t>5/30/2022</a:t>
             </a:fld>
             <a:endParaRPr lang="en-US"/>
           </a:p>
@@ -1754,7 +1754,7 @@
             <a:fld id="{1D8BD707-D9CF-40AE-B4C6-C98DA3205C09}" type="datetimeFigureOut">
               <a:rPr lang="en-US" smtClean="0"/>
               <a:pPr/>
-              <a:t>5/20/2022</a:t>
+              <a:t>5/30/2022</a:t>
             </a:fld>
             <a:endParaRPr lang="en-US"/>
           </a:p>
@@ -1869,7 +1869,7 @@
             <a:fld id="{1D8BD707-D9CF-40AE-B4C6-C98DA3205C09}" type="datetimeFigureOut">
               <a:rPr lang="en-US" smtClean="0"/>
               <a:pPr/>
-              <a:t>5/20/2022</a:t>
+              <a:t>5/30/2022</a:t>
             </a:fld>
             <a:endParaRPr lang="en-US"/>
           </a:p>
@@ -1961,7 +1961,7 @@
             <a:fld id="{1D8BD707-D9CF-40AE-B4C6-C98DA3205C09}" type="datetimeFigureOut">
               <a:rPr lang="en-US" smtClean="0"/>
               <a:pPr/>
-              <a:t>5/20/2022</a:t>
+              <a:t>5/30/2022</a:t>
             </a:fld>
             <a:endParaRPr lang="en-US"/>
           </a:p>
@@ -2235,7 +2235,7 @@
             <a:fld id="{1D8BD707-D9CF-40AE-B4C6-C98DA3205C09}" type="datetimeFigureOut">
               <a:rPr lang="en-US" smtClean="0"/>
               <a:pPr/>
-              <a:t>5/20/2022</a:t>
+              <a:t>5/30/2022</a:t>
             </a:fld>
             <a:endParaRPr lang="en-US"/>
           </a:p>
@@ -2485,7 +2485,7 @@
             <a:fld id="{1D8BD707-D9CF-40AE-B4C6-C98DA3205C09}" type="datetimeFigureOut">
               <a:rPr lang="en-US" smtClean="0"/>
               <a:pPr/>
-              <a:t>5/20/2022</a:t>
+              <a:t>5/30/2022</a:t>
             </a:fld>
             <a:endParaRPr lang="en-US"/>
           </a:p>
@@ -2695,7 +2695,7 @@
             <a:fld id="{1D8BD707-D9CF-40AE-B4C6-C98DA3205C09}" type="datetimeFigureOut">
               <a:rPr lang="en-US" smtClean="0"/>
               <a:pPr/>
-              <a:t>5/20/2022</a:t>
+              <a:t>5/30/2022</a:t>
             </a:fld>
             <a:endParaRPr lang="en-US"/>
           </a:p>
@@ -3407,26 +3407,17 @@
               <a:rPr lang="en-US" dirty="0" smtClean="0"/>
               <a:t>An Array is an essential and most used data structure </a:t>
             </a:r>
-            <a:endParaRPr lang="en-US" dirty="0" smtClean="0"/>
           </a:p>
           <a:p>
             <a:r>
               <a:rPr lang="en-US" dirty="0" smtClean="0"/>
-              <a:t>It can be declared by the two methods; by specifying the size or without specifying the </a:t>
-            </a:r>
+              <a:t>It can be declared by the two methods; by specifying the size or without specifying the size</a:t>
+            </a:r>
+          </a:p>
+          <a:p>
             <a:r>
               <a:rPr lang="en-US" dirty="0" smtClean="0"/>
-              <a:t>size</a:t>
-            </a:r>
-          </a:p>
-          <a:p>
-            <a:r>
-              <a:rPr lang="en-US" dirty="0" smtClean="0"/>
-              <a:t>a </a:t>
-            </a:r>
-            <a:r>
-              <a:rPr lang="en-US" dirty="0" smtClean="0"/>
-              <a:t>string is an immutable object, which means the value of the string can not be changed</a:t>
+              <a:t>a string is an immutable object, which means the value of the string can not be changed</a:t>
             </a:r>
             <a:endParaRPr lang="en-US" dirty="0"/>
           </a:p>
@@ -3499,49 +3490,25 @@
           <a:p>
             <a:r>
               <a:rPr lang="en-US" dirty="0" smtClean="0"/>
-              <a:t>Character Array in Java is an Array that holds character data types </a:t>
-            </a:r>
+              <a:t>Character Array in Java is an Array that holds character data types values</a:t>
+            </a:r>
+          </a:p>
+          <a:p>
             <a:r>
               <a:rPr lang="en-US" dirty="0" smtClean="0"/>
-              <a:t>values</a:t>
+              <a:t>Java Strings are immutable means we can not change their internal state once they are created. However, char arrays allow us to manipulate after the creation</a:t>
             </a:r>
           </a:p>
           <a:p>
             <a:r>
               <a:rPr lang="en-US" dirty="0" smtClean="0"/>
-              <a:t>Java Strings are immutable means we can not change their internal state once they are created. However, char arrays allow us to manipulate after the </a:t>
-            </a:r>
+              <a:t>The characters are primitive data types</a:t>
+            </a:r>
+          </a:p>
+          <a:p>
             <a:r>
               <a:rPr lang="en-US" dirty="0" smtClean="0"/>
-              <a:t>creation</a:t>
-            </a:r>
-          </a:p>
-          <a:p>
-            <a:r>
-              <a:rPr lang="en-US" dirty="0" smtClean="0"/>
-              <a:t>The </a:t>
-            </a:r>
-            <a:r>
-              <a:rPr lang="en-US" dirty="0" smtClean="0"/>
-              <a:t>characters are primitive data </a:t>
-            </a:r>
-            <a:r>
-              <a:rPr lang="en-US" dirty="0" smtClean="0"/>
-              <a:t>types</a:t>
-            </a:r>
-          </a:p>
-          <a:p>
-            <a:r>
-              <a:rPr lang="en-US" dirty="0" smtClean="0"/>
-              <a:t>The </a:t>
-            </a:r>
-            <a:r>
-              <a:rPr lang="en-US" dirty="0" smtClean="0"/>
-              <a:t>char keyword is </a:t>
-            </a:r>
-            <a:r>
-              <a:rPr lang="en-US" dirty="0" smtClean="0"/>
-              <a:t>used to declare the character types of variables and methods.</a:t>
+              <a:t>The char keyword is used to declare the character types of variables and methods.</a:t>
             </a:r>
             <a:endParaRPr lang="en-US" dirty="0"/>
           </a:p>
@@ -3608,11 +3575,7 @@
           <a:p>
             <a:r>
               <a:rPr lang="en-US" dirty="0" smtClean="0"/>
-              <a:t>Any </a:t>
-            </a:r>
-            <a:r>
-              <a:rPr lang="en-US" dirty="0" smtClean="0"/>
-              <a:t>alphabet</a:t>
+              <a:t>Any alphabet</a:t>
             </a:r>
           </a:p>
           <a:p>
@@ -3627,11 +3590,7 @@
             </a:pPr>
             <a:r>
               <a:rPr lang="en-US" dirty="0" smtClean="0"/>
-              <a:t>    special </a:t>
-            </a:r>
-            <a:r>
-              <a:rPr lang="en-US" dirty="0" smtClean="0"/>
-              <a:t>characters (@, #, $, %, ^, &amp;, *, (, ), ¢, £, ¥)</a:t>
+              <a:t>    special characters (@, #, $, %, ^, &amp;, *, (, ), ¢, £, ¥)</a:t>
             </a:r>
           </a:p>
           <a:p>
